--- a/docs/How to install Flutter on Windows.pptx
+++ b/docs/How to install Flutter on Windows.pptx
@@ -227,7 +227,7 @@
           <a:p>
             <a:fld id="{DE57DD40-A3D6-4222-ACE2-B47B341C24C9}" type="datetimeFigureOut">
               <a:rPr lang="de-DE" smtClean="0"/>
-              <a:t>15.09.2023</a:t>
+              <a:t>16.09.2023</a:t>
             </a:fld>
             <a:endParaRPr lang="de-DE"/>
           </a:p>
@@ -644,7 +644,7 @@
           <a:p>
             <a:fld id="{0219F40A-42EE-403F-82AA-CD7D942B0FD7}" type="datetimeFigureOut">
               <a:rPr lang="de-DE" smtClean="0"/>
-              <a:t>15.09.2023</a:t>
+              <a:t>16.09.2023</a:t>
             </a:fld>
             <a:endParaRPr lang="de-DE"/>
           </a:p>
@@ -844,7 +844,7 @@
           <a:p>
             <a:fld id="{0219F40A-42EE-403F-82AA-CD7D942B0FD7}" type="datetimeFigureOut">
               <a:rPr lang="de-DE" smtClean="0"/>
-              <a:t>15.09.2023</a:t>
+              <a:t>16.09.2023</a:t>
             </a:fld>
             <a:endParaRPr lang="de-DE"/>
           </a:p>
@@ -1054,7 +1054,7 @@
           <a:p>
             <a:fld id="{0219F40A-42EE-403F-82AA-CD7D942B0FD7}" type="datetimeFigureOut">
               <a:rPr lang="de-DE" smtClean="0"/>
-              <a:t>15.09.2023</a:t>
+              <a:t>16.09.2023</a:t>
             </a:fld>
             <a:endParaRPr lang="de-DE"/>
           </a:p>
@@ -1254,7 +1254,7 @@
           <a:p>
             <a:fld id="{0219F40A-42EE-403F-82AA-CD7D942B0FD7}" type="datetimeFigureOut">
               <a:rPr lang="de-DE" smtClean="0"/>
-              <a:t>15.09.2023</a:t>
+              <a:t>16.09.2023</a:t>
             </a:fld>
             <a:endParaRPr lang="de-DE"/>
           </a:p>
@@ -1530,7 +1530,7 @@
           <a:p>
             <a:fld id="{0219F40A-42EE-403F-82AA-CD7D942B0FD7}" type="datetimeFigureOut">
               <a:rPr lang="de-DE" smtClean="0"/>
-              <a:t>15.09.2023</a:t>
+              <a:t>16.09.2023</a:t>
             </a:fld>
             <a:endParaRPr lang="de-DE"/>
           </a:p>
@@ -1798,7 +1798,7 @@
           <a:p>
             <a:fld id="{0219F40A-42EE-403F-82AA-CD7D942B0FD7}" type="datetimeFigureOut">
               <a:rPr lang="de-DE" smtClean="0"/>
-              <a:t>15.09.2023</a:t>
+              <a:t>16.09.2023</a:t>
             </a:fld>
             <a:endParaRPr lang="de-DE"/>
           </a:p>
@@ -2213,7 +2213,7 @@
           <a:p>
             <a:fld id="{0219F40A-42EE-403F-82AA-CD7D942B0FD7}" type="datetimeFigureOut">
               <a:rPr lang="de-DE" smtClean="0"/>
-              <a:t>15.09.2023</a:t>
+              <a:t>16.09.2023</a:t>
             </a:fld>
             <a:endParaRPr lang="de-DE"/>
           </a:p>
@@ -2355,7 +2355,7 @@
           <a:p>
             <a:fld id="{0219F40A-42EE-403F-82AA-CD7D942B0FD7}" type="datetimeFigureOut">
               <a:rPr lang="de-DE" smtClean="0"/>
-              <a:t>15.09.2023</a:t>
+              <a:t>16.09.2023</a:t>
             </a:fld>
             <a:endParaRPr lang="de-DE"/>
           </a:p>
@@ -2468,7 +2468,7 @@
           <a:p>
             <a:fld id="{0219F40A-42EE-403F-82AA-CD7D942B0FD7}" type="datetimeFigureOut">
               <a:rPr lang="de-DE" smtClean="0"/>
-              <a:t>15.09.2023</a:t>
+              <a:t>16.09.2023</a:t>
             </a:fld>
             <a:endParaRPr lang="de-DE"/>
           </a:p>
@@ -2781,7 +2781,7 @@
           <a:p>
             <a:fld id="{0219F40A-42EE-403F-82AA-CD7D942B0FD7}" type="datetimeFigureOut">
               <a:rPr lang="de-DE" smtClean="0"/>
-              <a:t>15.09.2023</a:t>
+              <a:t>16.09.2023</a:t>
             </a:fld>
             <a:endParaRPr lang="de-DE"/>
           </a:p>
@@ -3070,7 +3070,7 @@
           <a:p>
             <a:fld id="{0219F40A-42EE-403F-82AA-CD7D942B0FD7}" type="datetimeFigureOut">
               <a:rPr lang="de-DE" smtClean="0"/>
-              <a:t>15.09.2023</a:t>
+              <a:t>16.09.2023</a:t>
             </a:fld>
             <a:endParaRPr lang="de-DE"/>
           </a:p>
@@ -3313,7 +3313,7 @@
           <a:p>
             <a:fld id="{0219F40A-42EE-403F-82AA-CD7D942B0FD7}" type="datetimeFigureOut">
               <a:rPr lang="de-DE" smtClean="0"/>
-              <a:t>15.09.2023</a:t>
+              <a:t>16.09.2023</a:t>
             </a:fld>
             <a:endParaRPr lang="de-DE"/>
           </a:p>
@@ -3754,12 +3754,22 @@
         </p:spPr>
         <p:txBody>
           <a:bodyPr>
-            <a:normAutofit/>
+            <a:normAutofit fontScale="90000"/>
           </a:bodyPr>
           <a:lstStyle/>
           <a:p>
             <a:pPr algn="l"/>
             <a:r>
+              <a:rPr lang="en-US" sz="4800" dirty="0">
+                <a:solidFill>
+                  <a:schemeClr val="bg2">
+                    <a:lumMod val="50000"/>
+                  </a:schemeClr>
+                </a:solidFill>
+              </a:rPr>
+              <a:t>How to install Flutter on </a:t>
+            </a:r>
+            <a:r>
               <a:rPr lang="en-US" sz="4800">
                 <a:solidFill>
                   <a:schemeClr val="bg2">
@@ -3767,7 +3777,7 @@
                   </a:schemeClr>
                 </a:solidFill>
               </a:rPr>
-              <a:t>How to install Flutter on Windows</a:t>
+              <a:t>Windowsxxxxxx</a:t>
             </a:r>
           </a:p>
         </p:txBody>
